--- a/CS3570/GrandChallenge.pptx
+++ b/CS3570/GrandChallenge.pptx
@@ -7219,7 +7219,7 @@
             <a:pPr lvl="1"/>
             <a:r>
               <a:rPr lang="en-US" altLang="zh-TW" dirty="0"/>
-              <a:t>Some output will logged and qoe.csv will be generated to bookkeep details</a:t>
+              <a:t>Some output will logged and qoe.csv will be generated to bookkeep the details</a:t>
             </a:r>
             <a:endParaRPr lang="zh-TW" altLang="en-US" dirty="0"/>
           </a:p>
@@ -7333,7 +7333,7 @@
             </a:r>
             <a:r>
               <a:rPr lang="en-US" altLang="zh-TW" dirty="0"/>
-              <a:t> (code only)</a:t>
+              <a:t> (for code)</a:t>
             </a:r>
             <a:endParaRPr dirty="0"/>
           </a:p>
@@ -7405,6 +7405,19 @@
             <a:r>
               <a:rPr lang="en-US" dirty="0"/>
               <a:t>’</a:t>
+            </a:r>
+          </a:p>
+          <a:p>
+            <a:r>
+              <a:rPr lang="en-US" dirty="0"/>
+              <a:t>sideModule.py</a:t>
+            </a:r>
+          </a:p>
+          <a:p>
+            <a:pPr lvl="1"/>
+            <a:r>
+              <a:rPr lang="en-US" dirty="0"/>
+              <a:t>Optional, if you have any code that is separated</a:t>
             </a:r>
           </a:p>
           <a:p>
@@ -7571,7 +7584,7 @@
         </p:spPr>
         <p:txBody>
           <a:bodyPr>
-            <a:normAutofit fontScale="92500" lnSpcReduction="20000"/>
+            <a:normAutofit fontScale="92500" lnSpcReduction="10000"/>
           </a:bodyPr>
           <a:lstStyle/>
           <a:p>
@@ -7620,13 +7633,21 @@
             <a:pPr lvl="1"/>
             <a:r>
               <a:rPr lang="en-US" altLang="zh-TW" dirty="0"/>
-              <a:t>Zero score if the team does not show up</a:t>
+              <a:t>Zero score if the team does not show up for makeup demo</a:t>
             </a:r>
           </a:p>
           <a:p>
             <a:r>
               <a:rPr lang="en-US" altLang="zh-TW" dirty="0"/>
-              <a:t>Actual run time is limited to 20 sec/test case</a:t>
+              <a:t>Actual run time is limited to 20 sec / test case</a:t>
+            </a:r>
+            <a:r>
+              <a:rPr lang="zh-TW" altLang="en-US" dirty="0"/>
+              <a:t> </a:t>
+            </a:r>
+            <a:r>
+              <a:rPr lang="en-US" altLang="zh-TW" dirty="0"/>
+              <a:t>(maybe extended)</a:t>
             </a:r>
           </a:p>
           <a:p>
@@ -7637,24 +7658,10 @@
             </a:r>
           </a:p>
           <a:p>
-            <a:endParaRPr lang="en-US" altLang="zh-TW" dirty="0"/>
-          </a:p>
-          <a:p>
+            <a:pPr fontAlgn="base"/>
             <a:r>
               <a:rPr lang="en-US" altLang="zh-TW" dirty="0"/>
-              <a:t>Score = 100 % if your rank falls in one third out of all</a:t>
-            </a:r>
-          </a:p>
-          <a:p>
-            <a:r>
-              <a:rPr lang="en-US" altLang="zh-TW" dirty="0"/>
-              <a:t>Score =  80  % if your rank falls in two thirds out of all</a:t>
-            </a:r>
-          </a:p>
-          <a:p>
-            <a:r>
-              <a:rPr lang="en-US" altLang="zh-TW" dirty="0"/>
-              <a:t>Score =  60  % if your code can finish with throwing exceptions and result in non-zero </a:t>
+              <a:t>Benchmark Scores (summation of </a:t>
             </a:r>
             <a:r>
               <a:rPr lang="en-US" altLang="zh-TW" dirty="0" err="1"/>
@@ -7662,11 +7669,29 @@
             </a:r>
             <a:r>
               <a:rPr lang="en-US" altLang="zh-TW" dirty="0"/>
-              <a:t> in every test case</a:t>
-            </a:r>
-          </a:p>
-          <a:p>
-            <a:endParaRPr lang="zh-TW" altLang="en-US" dirty="0"/>
+              <a:t> overall testcases)</a:t>
+            </a:r>
+          </a:p>
+          <a:p>
+            <a:pPr lvl="1" fontAlgn="base"/>
+            <a:r>
+              <a:rPr lang="en-US" altLang="zh-TW" dirty="0"/>
+              <a:t>top ⅓: 10 points</a:t>
+            </a:r>
+          </a:p>
+          <a:p>
+            <a:pPr lvl="1" fontAlgn="base"/>
+            <a:r>
+              <a:rPr lang="en-US" altLang="zh-TW" dirty="0"/>
+              <a:t>next ⅓: 7 points</a:t>
+            </a:r>
+          </a:p>
+          <a:p>
+            <a:pPr lvl="1" fontAlgn="base"/>
+            <a:r>
+              <a:rPr lang="en-US" altLang="zh-TW" dirty="0"/>
+              <a:t>last ⅓: 4 points</a:t>
+            </a:r>
           </a:p>
         </p:txBody>
       </p:sp>
@@ -8249,7 +8274,15 @@
             </a:pPr>
             <a:r>
               <a:rPr lang="zh-TW" dirty="0"/>
-              <a:t>Blocks are divided into packet to fit into lower network layers</a:t>
+              <a:t>Blocks are divided into packet</a:t>
+            </a:r>
+            <a:r>
+              <a:rPr lang="en-US" altLang="zh-TW" dirty="0"/>
+              <a:t>s</a:t>
+            </a:r>
+            <a:r>
+              <a:rPr lang="zh-TW" dirty="0"/>
+              <a:t> to fit into lower network layers</a:t>
             </a:r>
             <a:endParaRPr dirty="0"/>
           </a:p>
@@ -8309,23 +8342,6 @@
             <a:r>
               <a:rPr lang="zh-TW" dirty="0"/>
               <a:t>Congested link will introduce packet losses</a:t>
-            </a:r>
-            <a:endParaRPr dirty="0"/>
-          </a:p>
-          <a:p>
-            <a:pPr marL="1371600" lvl="2" indent="-317500" algn="l" rtl="0">
-              <a:spcBef>
-                <a:spcPts val="0"/>
-              </a:spcBef>
-              <a:spcAft>
-                <a:spcPts val="0"/>
-              </a:spcAft>
-              <a:buSzPts val="1400"/>
-              <a:buChar char="■"/>
-            </a:pPr>
-            <a:r>
-              <a:rPr lang="zh-TW" dirty="0"/>
-              <a:t>Retransmission, Fast recovery</a:t>
             </a:r>
             <a:endParaRPr dirty="0"/>
           </a:p>
@@ -8581,7 +8597,19 @@
             </a:pPr>
             <a:r>
               <a:rPr lang="zh-TW" dirty="0"/>
-              <a:t>Meet the deadline</a:t>
+              <a:t>Meet</a:t>
+            </a:r>
+            <a:r>
+              <a:rPr lang="en-US" altLang="zh-TW" dirty="0"/>
+              <a:t>ting</a:t>
+            </a:r>
+            <a:r>
+              <a:rPr lang="zh-TW" dirty="0"/>
+              <a:t> the deadline</a:t>
+            </a:r>
+            <a:r>
+              <a:rPr lang="en-US" altLang="zh-TW" dirty="0"/>
+              <a:t> or not</a:t>
             </a:r>
             <a:endParaRPr dirty="0"/>
           </a:p>
@@ -9130,10 +9158,10 @@
               <a:buChar char="●"/>
             </a:pPr>
             <a:r>
-              <a:rPr lang="zh-TW"/>
+              <a:rPr lang="zh-TW" dirty="0"/>
               <a:t>Block scheduler</a:t>
             </a:r>
-            <a:endParaRPr/>
+            <a:endParaRPr dirty="0"/>
           </a:p>
           <a:p>
             <a:pPr marL="914400" lvl="1" indent="-317500" algn="l" rtl="0">
@@ -9147,10 +9175,10 @@
               <a:buChar char="○"/>
             </a:pPr>
             <a:r>
-              <a:rPr lang="zh-TW"/>
+              <a:rPr lang="zh-TW" dirty="0"/>
               <a:t>select which application block to send</a:t>
             </a:r>
-            <a:endParaRPr/>
+            <a:endParaRPr dirty="0"/>
           </a:p>
           <a:p>
             <a:pPr marL="457200" lvl="0" indent="-342900" algn="l" rtl="0">
@@ -9164,10 +9192,10 @@
               <a:buChar char="●"/>
             </a:pPr>
             <a:r>
-              <a:rPr lang="zh-TW"/>
+              <a:rPr lang="zh-TW" dirty="0"/>
               <a:t>Bandwidth estimator</a:t>
             </a:r>
-            <a:endParaRPr/>
+            <a:endParaRPr dirty="0"/>
           </a:p>
           <a:p>
             <a:pPr marL="914400" lvl="1" indent="-317500" algn="l" rtl="0">
@@ -9181,10 +9209,14 @@
               <a:buChar char="○"/>
             </a:pPr>
             <a:r>
-              <a:rPr lang="zh-TW"/>
+              <a:rPr lang="zh-TW" dirty="0"/>
               <a:t>bandwidth estimation</a:t>
             </a:r>
-            <a:endParaRPr/>
+            <a:r>
+              <a:rPr lang="en-US" altLang="zh-TW" dirty="0"/>
+              <a:t> (not necessary if you don’t need this)</a:t>
+            </a:r>
+            <a:endParaRPr dirty="0"/>
           </a:p>
           <a:p>
             <a:pPr marL="914400" lvl="1" indent="-317500" algn="l" rtl="0">
@@ -9198,10 +9230,10 @@
               <a:buChar char="○"/>
             </a:pPr>
             <a:r>
-              <a:rPr lang="zh-TW"/>
+              <a:rPr lang="zh-TW" dirty="0"/>
               <a:t>congestion controll triggered on packet ACK/loss/sent</a:t>
             </a:r>
-            <a:endParaRPr/>
+            <a:endParaRPr dirty="0"/>
           </a:p>
         </p:txBody>
       </p:sp>
@@ -9675,7 +9707,7 @@
               <a:buChar char="●"/>
             </a:pPr>
             <a:r>
-              <a:rPr lang="zh-TW" u="sng">
+              <a:rPr lang="zh-TW" u="sng" dirty="0">
                 <a:solidFill>
                   <a:schemeClr val="hlink"/>
                 </a:solidFill>
@@ -9684,27 +9716,10 @@
               <a:t>Open dataset</a:t>
             </a:r>
             <a:r>
-              <a:rPr lang="zh-TW"/>
+              <a:rPr lang="zh-TW" dirty="0"/>
               <a:t> (on the same Github)</a:t>
             </a:r>
-            <a:endParaRPr/>
-          </a:p>
-          <a:p>
-            <a:pPr marL="457200" lvl="0" indent="-342900" algn="l" rtl="0">
-              <a:spcBef>
-                <a:spcPts val="0"/>
-              </a:spcBef>
-              <a:spcAft>
-                <a:spcPts val="0"/>
-              </a:spcAft>
-              <a:buSzPts val="1800"/>
-              <a:buChar char="●"/>
-            </a:pPr>
-            <a:r>
-              <a:rPr lang="zh-TW"/>
-              <a:t>Test dataset will be open near the deadline</a:t>
-            </a:r>
-            <a:endParaRPr/>
+            <a:endParaRPr lang="zh-TW" altLang="en-US" dirty="0"/>
           </a:p>
         </p:txBody>
       </p:sp>
